--- a/docs/diagrams/UG SS.pptx
+++ b/docs/diagrams/UG SS.pptx
@@ -12,6 +12,7 @@
     <p:sldId id="258" r:id="rId6"/>
     <p:sldId id="261" r:id="rId7"/>
     <p:sldId id="262" r:id="rId8"/>
+    <p:sldId id="263" r:id="rId9"/>
   </p:sldIdLst>
   <p:sldSz cx="12192000" cy="6858000"/>
   <p:notesSz cx="6858000" cy="9144000"/>
@@ -140,7 +141,7 @@
           <p:cNvPr id="2" name="Title 1">
             <a:extLst>
               <a:ext uri="{FF2B5EF4-FFF2-40B4-BE49-F238E27FC236}">
-                <a16:creationId xmlns:a16="http://schemas.microsoft.com/office/drawing/2014/main" id="{BD488D6C-08CF-4EF2-996B-9AFE18F864B9}"/>
+                <a16:creationId xmlns:a16="http://schemas.microsoft.com/office/drawing/2014/main" xmlns="" id="{BD488D6C-08CF-4EF2-996B-9AFE18F864B9}"/>
               </a:ext>
             </a:extLst>
           </p:cNvPr>
@@ -177,7 +178,7 @@
           <p:cNvPr id="3" name="Subtitle 2">
             <a:extLst>
               <a:ext uri="{FF2B5EF4-FFF2-40B4-BE49-F238E27FC236}">
-                <a16:creationId xmlns:a16="http://schemas.microsoft.com/office/drawing/2014/main" id="{29D5BC21-6FEA-4E9B-8773-FA33EAE8E930}"/>
+                <a16:creationId xmlns:a16="http://schemas.microsoft.com/office/drawing/2014/main" xmlns="" id="{29D5BC21-6FEA-4E9B-8773-FA33EAE8E930}"/>
               </a:ext>
             </a:extLst>
           </p:cNvPr>
@@ -247,7 +248,7 @@
           <p:cNvPr id="4" name="Date Placeholder 3">
             <a:extLst>
               <a:ext uri="{FF2B5EF4-FFF2-40B4-BE49-F238E27FC236}">
-                <a16:creationId xmlns:a16="http://schemas.microsoft.com/office/drawing/2014/main" id="{531EFE37-0C32-475F-B167-D24328A0FBA1}"/>
+                <a16:creationId xmlns:a16="http://schemas.microsoft.com/office/drawing/2014/main" xmlns="" id="{531EFE37-0C32-475F-B167-D24328A0FBA1}"/>
               </a:ext>
             </a:extLst>
           </p:cNvPr>
@@ -265,7 +266,7 @@
           <a:p>
             <a:fld id="{EEEB806E-B988-4CF0-81C9-2B8FEB6ED7D5}" type="datetimeFigureOut">
               <a:rPr lang="en-US" smtClean="0"/>
-              <a:t>15-Apr-18</a:t>
+              <a:t>4/15/18</a:t>
             </a:fld>
             <a:endParaRPr lang="en-US"/>
           </a:p>
@@ -276,7 +277,7 @@
           <p:cNvPr id="5" name="Footer Placeholder 4">
             <a:extLst>
               <a:ext uri="{FF2B5EF4-FFF2-40B4-BE49-F238E27FC236}">
-                <a16:creationId xmlns:a16="http://schemas.microsoft.com/office/drawing/2014/main" id="{B188644C-3E09-40FA-A32F-AA812A22B6AF}"/>
+                <a16:creationId xmlns:a16="http://schemas.microsoft.com/office/drawing/2014/main" xmlns="" id="{B188644C-3E09-40FA-A32F-AA812A22B6AF}"/>
               </a:ext>
             </a:extLst>
           </p:cNvPr>
@@ -301,7 +302,7 @@
           <p:cNvPr id="6" name="Slide Number Placeholder 5">
             <a:extLst>
               <a:ext uri="{FF2B5EF4-FFF2-40B4-BE49-F238E27FC236}">
-                <a16:creationId xmlns:a16="http://schemas.microsoft.com/office/drawing/2014/main" id="{F2346BD2-A060-47BF-9188-6E55645FB95B}"/>
+                <a16:creationId xmlns:a16="http://schemas.microsoft.com/office/drawing/2014/main" xmlns="" id="{F2346BD2-A060-47BF-9188-6E55645FB95B}"/>
               </a:ext>
             </a:extLst>
           </p:cNvPr>
@@ -360,7 +361,7 @@
           <p:cNvPr id="2" name="Title 1">
             <a:extLst>
               <a:ext uri="{FF2B5EF4-FFF2-40B4-BE49-F238E27FC236}">
-                <a16:creationId xmlns:a16="http://schemas.microsoft.com/office/drawing/2014/main" id="{7BE75354-B430-4D42-AB9F-28DEF80C1D75}"/>
+                <a16:creationId xmlns:a16="http://schemas.microsoft.com/office/drawing/2014/main" xmlns="" id="{7BE75354-B430-4D42-AB9F-28DEF80C1D75}"/>
               </a:ext>
             </a:extLst>
           </p:cNvPr>
@@ -388,7 +389,7 @@
           <p:cNvPr id="3" name="Vertical Text Placeholder 2">
             <a:extLst>
               <a:ext uri="{FF2B5EF4-FFF2-40B4-BE49-F238E27FC236}">
-                <a16:creationId xmlns:a16="http://schemas.microsoft.com/office/drawing/2014/main" id="{14CF4A7A-34A9-45B9-AF25-43AC97D49D40}"/>
+                <a16:creationId xmlns:a16="http://schemas.microsoft.com/office/drawing/2014/main" xmlns="" id="{14CF4A7A-34A9-45B9-AF25-43AC97D49D40}"/>
               </a:ext>
             </a:extLst>
           </p:cNvPr>
@@ -445,7 +446,7 @@
           <p:cNvPr id="4" name="Date Placeholder 3">
             <a:extLst>
               <a:ext uri="{FF2B5EF4-FFF2-40B4-BE49-F238E27FC236}">
-                <a16:creationId xmlns:a16="http://schemas.microsoft.com/office/drawing/2014/main" id="{224C5D77-6388-461B-BFEA-BE87976EDE29}"/>
+                <a16:creationId xmlns:a16="http://schemas.microsoft.com/office/drawing/2014/main" xmlns="" id="{224C5D77-6388-461B-BFEA-BE87976EDE29}"/>
               </a:ext>
             </a:extLst>
           </p:cNvPr>
@@ -463,7 +464,7 @@
           <a:p>
             <a:fld id="{EEEB806E-B988-4CF0-81C9-2B8FEB6ED7D5}" type="datetimeFigureOut">
               <a:rPr lang="en-US" smtClean="0"/>
-              <a:t>15-Apr-18</a:t>
+              <a:t>4/15/18</a:t>
             </a:fld>
             <a:endParaRPr lang="en-US"/>
           </a:p>
@@ -474,7 +475,7 @@
           <p:cNvPr id="5" name="Footer Placeholder 4">
             <a:extLst>
               <a:ext uri="{FF2B5EF4-FFF2-40B4-BE49-F238E27FC236}">
-                <a16:creationId xmlns:a16="http://schemas.microsoft.com/office/drawing/2014/main" id="{2D237616-8D8E-433F-B8F5-73E4C45640F7}"/>
+                <a16:creationId xmlns:a16="http://schemas.microsoft.com/office/drawing/2014/main" xmlns="" id="{2D237616-8D8E-433F-B8F5-73E4C45640F7}"/>
               </a:ext>
             </a:extLst>
           </p:cNvPr>
@@ -499,7 +500,7 @@
           <p:cNvPr id="6" name="Slide Number Placeholder 5">
             <a:extLst>
               <a:ext uri="{FF2B5EF4-FFF2-40B4-BE49-F238E27FC236}">
-                <a16:creationId xmlns:a16="http://schemas.microsoft.com/office/drawing/2014/main" id="{CC33541C-CCEA-4123-A871-EDCE3D74D090}"/>
+                <a16:creationId xmlns:a16="http://schemas.microsoft.com/office/drawing/2014/main" xmlns="" id="{CC33541C-CCEA-4123-A871-EDCE3D74D090}"/>
               </a:ext>
             </a:extLst>
           </p:cNvPr>
@@ -558,7 +559,7 @@
           <p:cNvPr id="2" name="Vertical Title 1">
             <a:extLst>
               <a:ext uri="{FF2B5EF4-FFF2-40B4-BE49-F238E27FC236}">
-                <a16:creationId xmlns:a16="http://schemas.microsoft.com/office/drawing/2014/main" id="{17D0A9DA-E085-48D3-B892-5521BC56D80A}"/>
+                <a16:creationId xmlns:a16="http://schemas.microsoft.com/office/drawing/2014/main" xmlns="" id="{17D0A9DA-E085-48D3-B892-5521BC56D80A}"/>
               </a:ext>
             </a:extLst>
           </p:cNvPr>
@@ -591,7 +592,7 @@
           <p:cNvPr id="3" name="Vertical Text Placeholder 2">
             <a:extLst>
               <a:ext uri="{FF2B5EF4-FFF2-40B4-BE49-F238E27FC236}">
-                <a16:creationId xmlns:a16="http://schemas.microsoft.com/office/drawing/2014/main" id="{691E94AD-1A06-4A2A-8142-85D72CEC2FC9}"/>
+                <a16:creationId xmlns:a16="http://schemas.microsoft.com/office/drawing/2014/main" xmlns="" id="{691E94AD-1A06-4A2A-8142-85D72CEC2FC9}"/>
               </a:ext>
             </a:extLst>
           </p:cNvPr>
@@ -653,7 +654,7 @@
           <p:cNvPr id="4" name="Date Placeholder 3">
             <a:extLst>
               <a:ext uri="{FF2B5EF4-FFF2-40B4-BE49-F238E27FC236}">
-                <a16:creationId xmlns:a16="http://schemas.microsoft.com/office/drawing/2014/main" id="{E600DFFD-1FDE-490A-9B91-46AB988FB49B}"/>
+                <a16:creationId xmlns:a16="http://schemas.microsoft.com/office/drawing/2014/main" xmlns="" id="{E600DFFD-1FDE-490A-9B91-46AB988FB49B}"/>
               </a:ext>
             </a:extLst>
           </p:cNvPr>
@@ -671,7 +672,7 @@
           <a:p>
             <a:fld id="{EEEB806E-B988-4CF0-81C9-2B8FEB6ED7D5}" type="datetimeFigureOut">
               <a:rPr lang="en-US" smtClean="0"/>
-              <a:t>15-Apr-18</a:t>
+              <a:t>4/15/18</a:t>
             </a:fld>
             <a:endParaRPr lang="en-US"/>
           </a:p>
@@ -682,7 +683,7 @@
           <p:cNvPr id="5" name="Footer Placeholder 4">
             <a:extLst>
               <a:ext uri="{FF2B5EF4-FFF2-40B4-BE49-F238E27FC236}">
-                <a16:creationId xmlns:a16="http://schemas.microsoft.com/office/drawing/2014/main" id="{8B2803D6-F497-42BA-9280-70B0CE233AC4}"/>
+                <a16:creationId xmlns:a16="http://schemas.microsoft.com/office/drawing/2014/main" xmlns="" id="{8B2803D6-F497-42BA-9280-70B0CE233AC4}"/>
               </a:ext>
             </a:extLst>
           </p:cNvPr>
@@ -707,7 +708,7 @@
           <p:cNvPr id="6" name="Slide Number Placeholder 5">
             <a:extLst>
               <a:ext uri="{FF2B5EF4-FFF2-40B4-BE49-F238E27FC236}">
-                <a16:creationId xmlns:a16="http://schemas.microsoft.com/office/drawing/2014/main" id="{6170CC12-3C70-4C44-8557-A3878A8D607D}"/>
+                <a16:creationId xmlns:a16="http://schemas.microsoft.com/office/drawing/2014/main" xmlns="" id="{6170CC12-3C70-4C44-8557-A3878A8D607D}"/>
               </a:ext>
             </a:extLst>
           </p:cNvPr>
@@ -766,7 +767,7 @@
           <p:cNvPr id="2" name="Title 1">
             <a:extLst>
               <a:ext uri="{FF2B5EF4-FFF2-40B4-BE49-F238E27FC236}">
-                <a16:creationId xmlns:a16="http://schemas.microsoft.com/office/drawing/2014/main" id="{3B7C4F3A-959D-4FE3-861F-4A6489D48ED3}"/>
+                <a16:creationId xmlns:a16="http://schemas.microsoft.com/office/drawing/2014/main" xmlns="" id="{3B7C4F3A-959D-4FE3-861F-4A6489D48ED3}"/>
               </a:ext>
             </a:extLst>
           </p:cNvPr>
@@ -794,7 +795,7 @@
           <p:cNvPr id="3" name="Content Placeholder 2">
             <a:extLst>
               <a:ext uri="{FF2B5EF4-FFF2-40B4-BE49-F238E27FC236}">
-                <a16:creationId xmlns:a16="http://schemas.microsoft.com/office/drawing/2014/main" id="{4887C048-9ECB-47EA-80BF-0E268A1EB4AE}"/>
+                <a16:creationId xmlns:a16="http://schemas.microsoft.com/office/drawing/2014/main" xmlns="" id="{4887C048-9ECB-47EA-80BF-0E268A1EB4AE}"/>
               </a:ext>
             </a:extLst>
           </p:cNvPr>
@@ -851,7 +852,7 @@
           <p:cNvPr id="4" name="Date Placeholder 3">
             <a:extLst>
               <a:ext uri="{FF2B5EF4-FFF2-40B4-BE49-F238E27FC236}">
-                <a16:creationId xmlns:a16="http://schemas.microsoft.com/office/drawing/2014/main" id="{0C1A42B9-E2E0-4284-9893-FE1AC6877218}"/>
+                <a16:creationId xmlns:a16="http://schemas.microsoft.com/office/drawing/2014/main" xmlns="" id="{0C1A42B9-E2E0-4284-9893-FE1AC6877218}"/>
               </a:ext>
             </a:extLst>
           </p:cNvPr>
@@ -869,7 +870,7 @@
           <a:p>
             <a:fld id="{EEEB806E-B988-4CF0-81C9-2B8FEB6ED7D5}" type="datetimeFigureOut">
               <a:rPr lang="en-US" smtClean="0"/>
-              <a:t>15-Apr-18</a:t>
+              <a:t>4/15/18</a:t>
             </a:fld>
             <a:endParaRPr lang="en-US"/>
           </a:p>
@@ -880,7 +881,7 @@
           <p:cNvPr id="5" name="Footer Placeholder 4">
             <a:extLst>
               <a:ext uri="{FF2B5EF4-FFF2-40B4-BE49-F238E27FC236}">
-                <a16:creationId xmlns:a16="http://schemas.microsoft.com/office/drawing/2014/main" id="{1297D353-6551-4F00-AF00-1D6008AB230D}"/>
+                <a16:creationId xmlns:a16="http://schemas.microsoft.com/office/drawing/2014/main" xmlns="" id="{1297D353-6551-4F00-AF00-1D6008AB230D}"/>
               </a:ext>
             </a:extLst>
           </p:cNvPr>
@@ -905,7 +906,7 @@
           <p:cNvPr id="6" name="Slide Number Placeholder 5">
             <a:extLst>
               <a:ext uri="{FF2B5EF4-FFF2-40B4-BE49-F238E27FC236}">
-                <a16:creationId xmlns:a16="http://schemas.microsoft.com/office/drawing/2014/main" id="{45764C15-BCDE-48C9-B19C-530850C2B33A}"/>
+                <a16:creationId xmlns:a16="http://schemas.microsoft.com/office/drawing/2014/main" xmlns="" id="{45764C15-BCDE-48C9-B19C-530850C2B33A}"/>
               </a:ext>
             </a:extLst>
           </p:cNvPr>
@@ -964,7 +965,7 @@
           <p:cNvPr id="2" name="Title 1">
             <a:extLst>
               <a:ext uri="{FF2B5EF4-FFF2-40B4-BE49-F238E27FC236}">
-                <a16:creationId xmlns:a16="http://schemas.microsoft.com/office/drawing/2014/main" id="{2FCF510F-CF28-4E8D-8172-0DDE11F2CA0E}"/>
+                <a16:creationId xmlns:a16="http://schemas.microsoft.com/office/drawing/2014/main" xmlns="" id="{2FCF510F-CF28-4E8D-8172-0DDE11F2CA0E}"/>
               </a:ext>
             </a:extLst>
           </p:cNvPr>
@@ -1001,7 +1002,7 @@
           <p:cNvPr id="3" name="Text Placeholder 2">
             <a:extLst>
               <a:ext uri="{FF2B5EF4-FFF2-40B4-BE49-F238E27FC236}">
-                <a16:creationId xmlns:a16="http://schemas.microsoft.com/office/drawing/2014/main" id="{486CCB1D-074E-42BF-BA76-96A37CF71EBA}"/>
+                <a16:creationId xmlns:a16="http://schemas.microsoft.com/office/drawing/2014/main" xmlns="" id="{486CCB1D-074E-42BF-BA76-96A37CF71EBA}"/>
               </a:ext>
             </a:extLst>
           </p:cNvPr>
@@ -1126,7 +1127,7 @@
           <p:cNvPr id="4" name="Date Placeholder 3">
             <a:extLst>
               <a:ext uri="{FF2B5EF4-FFF2-40B4-BE49-F238E27FC236}">
-                <a16:creationId xmlns:a16="http://schemas.microsoft.com/office/drawing/2014/main" id="{59D6C2AF-4CBD-4488-99D8-35856AF4AE8D}"/>
+                <a16:creationId xmlns:a16="http://schemas.microsoft.com/office/drawing/2014/main" xmlns="" id="{59D6C2AF-4CBD-4488-99D8-35856AF4AE8D}"/>
               </a:ext>
             </a:extLst>
           </p:cNvPr>
@@ -1144,7 +1145,7 @@
           <a:p>
             <a:fld id="{EEEB806E-B988-4CF0-81C9-2B8FEB6ED7D5}" type="datetimeFigureOut">
               <a:rPr lang="en-US" smtClean="0"/>
-              <a:t>15-Apr-18</a:t>
+              <a:t>4/15/18</a:t>
             </a:fld>
             <a:endParaRPr lang="en-US"/>
           </a:p>
@@ -1155,7 +1156,7 @@
           <p:cNvPr id="5" name="Footer Placeholder 4">
             <a:extLst>
               <a:ext uri="{FF2B5EF4-FFF2-40B4-BE49-F238E27FC236}">
-                <a16:creationId xmlns:a16="http://schemas.microsoft.com/office/drawing/2014/main" id="{0C4BFD9B-3DA0-4C9B-B54E-463626EB053F}"/>
+                <a16:creationId xmlns:a16="http://schemas.microsoft.com/office/drawing/2014/main" xmlns="" id="{0C4BFD9B-3DA0-4C9B-B54E-463626EB053F}"/>
               </a:ext>
             </a:extLst>
           </p:cNvPr>
@@ -1180,7 +1181,7 @@
           <p:cNvPr id="6" name="Slide Number Placeholder 5">
             <a:extLst>
               <a:ext uri="{FF2B5EF4-FFF2-40B4-BE49-F238E27FC236}">
-                <a16:creationId xmlns:a16="http://schemas.microsoft.com/office/drawing/2014/main" id="{65DBF1BC-79DC-44BE-BDFB-7C1E8CA0E605}"/>
+                <a16:creationId xmlns:a16="http://schemas.microsoft.com/office/drawing/2014/main" xmlns="" id="{65DBF1BC-79DC-44BE-BDFB-7C1E8CA0E605}"/>
               </a:ext>
             </a:extLst>
           </p:cNvPr>
@@ -1239,7 +1240,7 @@
           <p:cNvPr id="2" name="Title 1">
             <a:extLst>
               <a:ext uri="{FF2B5EF4-FFF2-40B4-BE49-F238E27FC236}">
-                <a16:creationId xmlns:a16="http://schemas.microsoft.com/office/drawing/2014/main" id="{436A091C-FDFF-4A02-8082-19EFD38C2950}"/>
+                <a16:creationId xmlns:a16="http://schemas.microsoft.com/office/drawing/2014/main" xmlns="" id="{436A091C-FDFF-4A02-8082-19EFD38C2950}"/>
               </a:ext>
             </a:extLst>
           </p:cNvPr>
@@ -1267,7 +1268,7 @@
           <p:cNvPr id="3" name="Content Placeholder 2">
             <a:extLst>
               <a:ext uri="{FF2B5EF4-FFF2-40B4-BE49-F238E27FC236}">
-                <a16:creationId xmlns:a16="http://schemas.microsoft.com/office/drawing/2014/main" id="{C9104578-2EC8-42CE-8D0B-4FAA9DFDEBAA}"/>
+                <a16:creationId xmlns:a16="http://schemas.microsoft.com/office/drawing/2014/main" xmlns="" id="{C9104578-2EC8-42CE-8D0B-4FAA9DFDEBAA}"/>
               </a:ext>
             </a:extLst>
           </p:cNvPr>
@@ -1329,7 +1330,7 @@
           <p:cNvPr id="4" name="Content Placeholder 3">
             <a:extLst>
               <a:ext uri="{FF2B5EF4-FFF2-40B4-BE49-F238E27FC236}">
-                <a16:creationId xmlns:a16="http://schemas.microsoft.com/office/drawing/2014/main" id="{1767617E-1387-48D2-961A-8F95DB1C2123}"/>
+                <a16:creationId xmlns:a16="http://schemas.microsoft.com/office/drawing/2014/main" xmlns="" id="{1767617E-1387-48D2-961A-8F95DB1C2123}"/>
               </a:ext>
             </a:extLst>
           </p:cNvPr>
@@ -1391,7 +1392,7 @@
           <p:cNvPr id="5" name="Date Placeholder 4">
             <a:extLst>
               <a:ext uri="{FF2B5EF4-FFF2-40B4-BE49-F238E27FC236}">
-                <a16:creationId xmlns:a16="http://schemas.microsoft.com/office/drawing/2014/main" id="{297BD843-A344-4DD8-AD26-C0573756ECFD}"/>
+                <a16:creationId xmlns:a16="http://schemas.microsoft.com/office/drawing/2014/main" xmlns="" id="{297BD843-A344-4DD8-AD26-C0573756ECFD}"/>
               </a:ext>
             </a:extLst>
           </p:cNvPr>
@@ -1409,7 +1410,7 @@
           <a:p>
             <a:fld id="{EEEB806E-B988-4CF0-81C9-2B8FEB6ED7D5}" type="datetimeFigureOut">
               <a:rPr lang="en-US" smtClean="0"/>
-              <a:t>15-Apr-18</a:t>
+              <a:t>4/15/18</a:t>
             </a:fld>
             <a:endParaRPr lang="en-US"/>
           </a:p>
@@ -1420,7 +1421,7 @@
           <p:cNvPr id="6" name="Footer Placeholder 5">
             <a:extLst>
               <a:ext uri="{FF2B5EF4-FFF2-40B4-BE49-F238E27FC236}">
-                <a16:creationId xmlns:a16="http://schemas.microsoft.com/office/drawing/2014/main" id="{45D76FCE-68F8-4E41-964B-8560247F804F}"/>
+                <a16:creationId xmlns:a16="http://schemas.microsoft.com/office/drawing/2014/main" xmlns="" id="{45D76FCE-68F8-4E41-964B-8560247F804F}"/>
               </a:ext>
             </a:extLst>
           </p:cNvPr>
@@ -1445,7 +1446,7 @@
           <p:cNvPr id="7" name="Slide Number Placeholder 6">
             <a:extLst>
               <a:ext uri="{FF2B5EF4-FFF2-40B4-BE49-F238E27FC236}">
-                <a16:creationId xmlns:a16="http://schemas.microsoft.com/office/drawing/2014/main" id="{AA7F513E-E5B8-484B-8AA0-181C089378A3}"/>
+                <a16:creationId xmlns:a16="http://schemas.microsoft.com/office/drawing/2014/main" xmlns="" id="{AA7F513E-E5B8-484B-8AA0-181C089378A3}"/>
               </a:ext>
             </a:extLst>
           </p:cNvPr>
@@ -1504,7 +1505,7 @@
           <p:cNvPr id="2" name="Title 1">
             <a:extLst>
               <a:ext uri="{FF2B5EF4-FFF2-40B4-BE49-F238E27FC236}">
-                <a16:creationId xmlns:a16="http://schemas.microsoft.com/office/drawing/2014/main" id="{49CEF70A-6ED5-407A-8D1A-09823F8E1DDE}"/>
+                <a16:creationId xmlns:a16="http://schemas.microsoft.com/office/drawing/2014/main" xmlns="" id="{49CEF70A-6ED5-407A-8D1A-09823F8E1DDE}"/>
               </a:ext>
             </a:extLst>
           </p:cNvPr>
@@ -1537,7 +1538,7 @@
           <p:cNvPr id="3" name="Text Placeholder 2">
             <a:extLst>
               <a:ext uri="{FF2B5EF4-FFF2-40B4-BE49-F238E27FC236}">
-                <a16:creationId xmlns:a16="http://schemas.microsoft.com/office/drawing/2014/main" id="{2A93DA9B-325B-496E-AF70-7A63116097B6}"/>
+                <a16:creationId xmlns:a16="http://schemas.microsoft.com/office/drawing/2014/main" xmlns="" id="{2A93DA9B-325B-496E-AF70-7A63116097B6}"/>
               </a:ext>
             </a:extLst>
           </p:cNvPr>
@@ -1608,7 +1609,7 @@
           <p:cNvPr id="4" name="Content Placeholder 3">
             <a:extLst>
               <a:ext uri="{FF2B5EF4-FFF2-40B4-BE49-F238E27FC236}">
-                <a16:creationId xmlns:a16="http://schemas.microsoft.com/office/drawing/2014/main" id="{D8A2B33B-1061-4B10-9445-FE0CB3B92075}"/>
+                <a16:creationId xmlns:a16="http://schemas.microsoft.com/office/drawing/2014/main" xmlns="" id="{D8A2B33B-1061-4B10-9445-FE0CB3B92075}"/>
               </a:ext>
             </a:extLst>
           </p:cNvPr>
@@ -1670,7 +1671,7 @@
           <p:cNvPr id="5" name="Text Placeholder 4">
             <a:extLst>
               <a:ext uri="{FF2B5EF4-FFF2-40B4-BE49-F238E27FC236}">
-                <a16:creationId xmlns:a16="http://schemas.microsoft.com/office/drawing/2014/main" id="{76578D4E-6844-419D-9CD9-B5807D5E26C5}"/>
+                <a16:creationId xmlns:a16="http://schemas.microsoft.com/office/drawing/2014/main" xmlns="" id="{76578D4E-6844-419D-9CD9-B5807D5E26C5}"/>
               </a:ext>
             </a:extLst>
           </p:cNvPr>
@@ -1741,7 +1742,7 @@
           <p:cNvPr id="6" name="Content Placeholder 5">
             <a:extLst>
               <a:ext uri="{FF2B5EF4-FFF2-40B4-BE49-F238E27FC236}">
-                <a16:creationId xmlns:a16="http://schemas.microsoft.com/office/drawing/2014/main" id="{93126A69-AF45-4281-99AB-8F7A28506BAB}"/>
+                <a16:creationId xmlns:a16="http://schemas.microsoft.com/office/drawing/2014/main" xmlns="" id="{93126A69-AF45-4281-99AB-8F7A28506BAB}"/>
               </a:ext>
             </a:extLst>
           </p:cNvPr>
@@ -1803,7 +1804,7 @@
           <p:cNvPr id="7" name="Date Placeholder 6">
             <a:extLst>
               <a:ext uri="{FF2B5EF4-FFF2-40B4-BE49-F238E27FC236}">
-                <a16:creationId xmlns:a16="http://schemas.microsoft.com/office/drawing/2014/main" id="{B51F1F79-A9C7-4AE1-B6B0-A68D7EC5F072}"/>
+                <a16:creationId xmlns:a16="http://schemas.microsoft.com/office/drawing/2014/main" xmlns="" id="{B51F1F79-A9C7-4AE1-B6B0-A68D7EC5F072}"/>
               </a:ext>
             </a:extLst>
           </p:cNvPr>
@@ -1821,7 +1822,7 @@
           <a:p>
             <a:fld id="{EEEB806E-B988-4CF0-81C9-2B8FEB6ED7D5}" type="datetimeFigureOut">
               <a:rPr lang="en-US" smtClean="0"/>
-              <a:t>15-Apr-18</a:t>
+              <a:t>4/15/18</a:t>
             </a:fld>
             <a:endParaRPr lang="en-US"/>
           </a:p>
@@ -1832,7 +1833,7 @@
           <p:cNvPr id="8" name="Footer Placeholder 7">
             <a:extLst>
               <a:ext uri="{FF2B5EF4-FFF2-40B4-BE49-F238E27FC236}">
-                <a16:creationId xmlns:a16="http://schemas.microsoft.com/office/drawing/2014/main" id="{40DE29F5-E7DF-4FEC-86F7-50D104591F2B}"/>
+                <a16:creationId xmlns:a16="http://schemas.microsoft.com/office/drawing/2014/main" xmlns="" id="{40DE29F5-E7DF-4FEC-86F7-50D104591F2B}"/>
               </a:ext>
             </a:extLst>
           </p:cNvPr>
@@ -1857,7 +1858,7 @@
           <p:cNvPr id="9" name="Slide Number Placeholder 8">
             <a:extLst>
               <a:ext uri="{FF2B5EF4-FFF2-40B4-BE49-F238E27FC236}">
-                <a16:creationId xmlns:a16="http://schemas.microsoft.com/office/drawing/2014/main" id="{6DDE22F9-1CA6-4CDE-B135-C5E2ECE62D5C}"/>
+                <a16:creationId xmlns:a16="http://schemas.microsoft.com/office/drawing/2014/main" xmlns="" id="{6DDE22F9-1CA6-4CDE-B135-C5E2ECE62D5C}"/>
               </a:ext>
             </a:extLst>
           </p:cNvPr>
@@ -1916,7 +1917,7 @@
           <p:cNvPr id="2" name="Title 1">
             <a:extLst>
               <a:ext uri="{FF2B5EF4-FFF2-40B4-BE49-F238E27FC236}">
-                <a16:creationId xmlns:a16="http://schemas.microsoft.com/office/drawing/2014/main" id="{F4EB1A4D-5261-428C-9AE3-36A590032E23}"/>
+                <a16:creationId xmlns:a16="http://schemas.microsoft.com/office/drawing/2014/main" xmlns="" id="{F4EB1A4D-5261-428C-9AE3-36A590032E23}"/>
               </a:ext>
             </a:extLst>
           </p:cNvPr>
@@ -1944,7 +1945,7 @@
           <p:cNvPr id="3" name="Date Placeholder 2">
             <a:extLst>
               <a:ext uri="{FF2B5EF4-FFF2-40B4-BE49-F238E27FC236}">
-                <a16:creationId xmlns:a16="http://schemas.microsoft.com/office/drawing/2014/main" id="{A2BE2FB3-6BB1-4692-8675-EFF264EB8D3A}"/>
+                <a16:creationId xmlns:a16="http://schemas.microsoft.com/office/drawing/2014/main" xmlns="" id="{A2BE2FB3-6BB1-4692-8675-EFF264EB8D3A}"/>
               </a:ext>
             </a:extLst>
           </p:cNvPr>
@@ -1962,7 +1963,7 @@
           <a:p>
             <a:fld id="{EEEB806E-B988-4CF0-81C9-2B8FEB6ED7D5}" type="datetimeFigureOut">
               <a:rPr lang="en-US" smtClean="0"/>
-              <a:t>15-Apr-18</a:t>
+              <a:t>4/15/18</a:t>
             </a:fld>
             <a:endParaRPr lang="en-US"/>
           </a:p>
@@ -1973,7 +1974,7 @@
           <p:cNvPr id="4" name="Footer Placeholder 3">
             <a:extLst>
               <a:ext uri="{FF2B5EF4-FFF2-40B4-BE49-F238E27FC236}">
-                <a16:creationId xmlns:a16="http://schemas.microsoft.com/office/drawing/2014/main" id="{4D61858B-09C2-4218-BB3E-5E1572574ED8}"/>
+                <a16:creationId xmlns:a16="http://schemas.microsoft.com/office/drawing/2014/main" xmlns="" id="{4D61858B-09C2-4218-BB3E-5E1572574ED8}"/>
               </a:ext>
             </a:extLst>
           </p:cNvPr>
@@ -1998,7 +1999,7 @@
           <p:cNvPr id="5" name="Slide Number Placeholder 4">
             <a:extLst>
               <a:ext uri="{FF2B5EF4-FFF2-40B4-BE49-F238E27FC236}">
-                <a16:creationId xmlns:a16="http://schemas.microsoft.com/office/drawing/2014/main" id="{8D9DC269-0FDE-4EC0-8AFC-92C49317FA39}"/>
+                <a16:creationId xmlns:a16="http://schemas.microsoft.com/office/drawing/2014/main" xmlns="" id="{8D9DC269-0FDE-4EC0-8AFC-92C49317FA39}"/>
               </a:ext>
             </a:extLst>
           </p:cNvPr>
@@ -2057,7 +2058,7 @@
           <p:cNvPr id="2" name="Date Placeholder 1">
             <a:extLst>
               <a:ext uri="{FF2B5EF4-FFF2-40B4-BE49-F238E27FC236}">
-                <a16:creationId xmlns:a16="http://schemas.microsoft.com/office/drawing/2014/main" id="{C162A7CE-F7DD-4E97-82DD-75DCC9363F39}"/>
+                <a16:creationId xmlns:a16="http://schemas.microsoft.com/office/drawing/2014/main" xmlns="" id="{C162A7CE-F7DD-4E97-82DD-75DCC9363F39}"/>
               </a:ext>
             </a:extLst>
           </p:cNvPr>
@@ -2075,7 +2076,7 @@
           <a:p>
             <a:fld id="{EEEB806E-B988-4CF0-81C9-2B8FEB6ED7D5}" type="datetimeFigureOut">
               <a:rPr lang="en-US" smtClean="0"/>
-              <a:t>15-Apr-18</a:t>
+              <a:t>4/15/18</a:t>
             </a:fld>
             <a:endParaRPr lang="en-US"/>
           </a:p>
@@ -2086,7 +2087,7 @@
           <p:cNvPr id="3" name="Footer Placeholder 2">
             <a:extLst>
               <a:ext uri="{FF2B5EF4-FFF2-40B4-BE49-F238E27FC236}">
-                <a16:creationId xmlns:a16="http://schemas.microsoft.com/office/drawing/2014/main" id="{09DCBD10-8170-4FEF-BB00-DBFD0992F6CA}"/>
+                <a16:creationId xmlns:a16="http://schemas.microsoft.com/office/drawing/2014/main" xmlns="" id="{09DCBD10-8170-4FEF-BB00-DBFD0992F6CA}"/>
               </a:ext>
             </a:extLst>
           </p:cNvPr>
@@ -2111,7 +2112,7 @@
           <p:cNvPr id="4" name="Slide Number Placeholder 3">
             <a:extLst>
               <a:ext uri="{FF2B5EF4-FFF2-40B4-BE49-F238E27FC236}">
-                <a16:creationId xmlns:a16="http://schemas.microsoft.com/office/drawing/2014/main" id="{936F5BC8-C627-439E-A69B-CA04E81FFE59}"/>
+                <a16:creationId xmlns:a16="http://schemas.microsoft.com/office/drawing/2014/main" xmlns="" id="{936F5BC8-C627-439E-A69B-CA04E81FFE59}"/>
               </a:ext>
             </a:extLst>
           </p:cNvPr>
@@ -2170,7 +2171,7 @@
           <p:cNvPr id="2" name="Title 1">
             <a:extLst>
               <a:ext uri="{FF2B5EF4-FFF2-40B4-BE49-F238E27FC236}">
-                <a16:creationId xmlns:a16="http://schemas.microsoft.com/office/drawing/2014/main" id="{0AD0DD41-73D5-4D10-B64D-D2B1187DB452}"/>
+                <a16:creationId xmlns:a16="http://schemas.microsoft.com/office/drawing/2014/main" xmlns="" id="{0AD0DD41-73D5-4D10-B64D-D2B1187DB452}"/>
               </a:ext>
             </a:extLst>
           </p:cNvPr>
@@ -2207,7 +2208,7 @@
           <p:cNvPr id="3" name="Content Placeholder 2">
             <a:extLst>
               <a:ext uri="{FF2B5EF4-FFF2-40B4-BE49-F238E27FC236}">
-                <a16:creationId xmlns:a16="http://schemas.microsoft.com/office/drawing/2014/main" id="{BE1E9E6B-2179-447A-9762-C370E8F144A1}"/>
+                <a16:creationId xmlns:a16="http://schemas.microsoft.com/office/drawing/2014/main" xmlns="" id="{BE1E9E6B-2179-447A-9762-C370E8F144A1}"/>
               </a:ext>
             </a:extLst>
           </p:cNvPr>
@@ -2297,7 +2298,7 @@
           <p:cNvPr id="4" name="Text Placeholder 3">
             <a:extLst>
               <a:ext uri="{FF2B5EF4-FFF2-40B4-BE49-F238E27FC236}">
-                <a16:creationId xmlns:a16="http://schemas.microsoft.com/office/drawing/2014/main" id="{0974F59C-76C7-4D16-B8ED-3B5D1D755272}"/>
+                <a16:creationId xmlns:a16="http://schemas.microsoft.com/office/drawing/2014/main" xmlns="" id="{0974F59C-76C7-4D16-B8ED-3B5D1D755272}"/>
               </a:ext>
             </a:extLst>
           </p:cNvPr>
@@ -2368,7 +2369,7 @@
           <p:cNvPr id="5" name="Date Placeholder 4">
             <a:extLst>
               <a:ext uri="{FF2B5EF4-FFF2-40B4-BE49-F238E27FC236}">
-                <a16:creationId xmlns:a16="http://schemas.microsoft.com/office/drawing/2014/main" id="{FBB9B81A-F853-4332-8084-46DCFDBEAF09}"/>
+                <a16:creationId xmlns:a16="http://schemas.microsoft.com/office/drawing/2014/main" xmlns="" id="{FBB9B81A-F853-4332-8084-46DCFDBEAF09}"/>
               </a:ext>
             </a:extLst>
           </p:cNvPr>
@@ -2386,7 +2387,7 @@
           <a:p>
             <a:fld id="{EEEB806E-B988-4CF0-81C9-2B8FEB6ED7D5}" type="datetimeFigureOut">
               <a:rPr lang="en-US" smtClean="0"/>
-              <a:t>15-Apr-18</a:t>
+              <a:t>4/15/18</a:t>
             </a:fld>
             <a:endParaRPr lang="en-US"/>
           </a:p>
@@ -2397,7 +2398,7 @@
           <p:cNvPr id="6" name="Footer Placeholder 5">
             <a:extLst>
               <a:ext uri="{FF2B5EF4-FFF2-40B4-BE49-F238E27FC236}">
-                <a16:creationId xmlns:a16="http://schemas.microsoft.com/office/drawing/2014/main" id="{1A10EDCE-7A45-42B6-BD7D-0FB0B30CD645}"/>
+                <a16:creationId xmlns:a16="http://schemas.microsoft.com/office/drawing/2014/main" xmlns="" id="{1A10EDCE-7A45-42B6-BD7D-0FB0B30CD645}"/>
               </a:ext>
             </a:extLst>
           </p:cNvPr>
@@ -2422,7 +2423,7 @@
           <p:cNvPr id="7" name="Slide Number Placeholder 6">
             <a:extLst>
               <a:ext uri="{FF2B5EF4-FFF2-40B4-BE49-F238E27FC236}">
-                <a16:creationId xmlns:a16="http://schemas.microsoft.com/office/drawing/2014/main" id="{EAB7C783-624A-41AB-A100-7C9BEF808022}"/>
+                <a16:creationId xmlns:a16="http://schemas.microsoft.com/office/drawing/2014/main" xmlns="" id="{EAB7C783-624A-41AB-A100-7C9BEF808022}"/>
               </a:ext>
             </a:extLst>
           </p:cNvPr>
@@ -2481,7 +2482,7 @@
           <p:cNvPr id="2" name="Title 1">
             <a:extLst>
               <a:ext uri="{FF2B5EF4-FFF2-40B4-BE49-F238E27FC236}">
-                <a16:creationId xmlns:a16="http://schemas.microsoft.com/office/drawing/2014/main" id="{6A33DD2B-78E4-4561-A3CA-39975F8F6211}"/>
+                <a16:creationId xmlns:a16="http://schemas.microsoft.com/office/drawing/2014/main" xmlns="" id="{6A33DD2B-78E4-4561-A3CA-39975F8F6211}"/>
               </a:ext>
             </a:extLst>
           </p:cNvPr>
@@ -2518,7 +2519,7 @@
           <p:cNvPr id="3" name="Picture Placeholder 2">
             <a:extLst>
               <a:ext uri="{FF2B5EF4-FFF2-40B4-BE49-F238E27FC236}">
-                <a16:creationId xmlns:a16="http://schemas.microsoft.com/office/drawing/2014/main" id="{0511458C-561A-46DF-B227-12E5C82475F9}"/>
+                <a16:creationId xmlns:a16="http://schemas.microsoft.com/office/drawing/2014/main" xmlns="" id="{0511458C-561A-46DF-B227-12E5C82475F9}"/>
               </a:ext>
             </a:extLst>
           </p:cNvPr>
@@ -2585,7 +2586,7 @@
           <p:cNvPr id="4" name="Text Placeholder 3">
             <a:extLst>
               <a:ext uri="{FF2B5EF4-FFF2-40B4-BE49-F238E27FC236}">
-                <a16:creationId xmlns:a16="http://schemas.microsoft.com/office/drawing/2014/main" id="{5953A027-D312-4C95-BD5A-69E8C111956D}"/>
+                <a16:creationId xmlns:a16="http://schemas.microsoft.com/office/drawing/2014/main" xmlns="" id="{5953A027-D312-4C95-BD5A-69E8C111956D}"/>
               </a:ext>
             </a:extLst>
           </p:cNvPr>
@@ -2656,7 +2657,7 @@
           <p:cNvPr id="5" name="Date Placeholder 4">
             <a:extLst>
               <a:ext uri="{FF2B5EF4-FFF2-40B4-BE49-F238E27FC236}">
-                <a16:creationId xmlns:a16="http://schemas.microsoft.com/office/drawing/2014/main" id="{D8A94868-94E3-44C3-A548-C3993D453A25}"/>
+                <a16:creationId xmlns:a16="http://schemas.microsoft.com/office/drawing/2014/main" xmlns="" id="{D8A94868-94E3-44C3-A548-C3993D453A25}"/>
               </a:ext>
             </a:extLst>
           </p:cNvPr>
@@ -2674,7 +2675,7 @@
           <a:p>
             <a:fld id="{EEEB806E-B988-4CF0-81C9-2B8FEB6ED7D5}" type="datetimeFigureOut">
               <a:rPr lang="en-US" smtClean="0"/>
-              <a:t>15-Apr-18</a:t>
+              <a:t>4/15/18</a:t>
             </a:fld>
             <a:endParaRPr lang="en-US"/>
           </a:p>
@@ -2685,7 +2686,7 @@
           <p:cNvPr id="6" name="Footer Placeholder 5">
             <a:extLst>
               <a:ext uri="{FF2B5EF4-FFF2-40B4-BE49-F238E27FC236}">
-                <a16:creationId xmlns:a16="http://schemas.microsoft.com/office/drawing/2014/main" id="{DFE7023E-4E64-46BC-9CF4-8B4FD7194562}"/>
+                <a16:creationId xmlns:a16="http://schemas.microsoft.com/office/drawing/2014/main" xmlns="" id="{DFE7023E-4E64-46BC-9CF4-8B4FD7194562}"/>
               </a:ext>
             </a:extLst>
           </p:cNvPr>
@@ -2710,7 +2711,7 @@
           <p:cNvPr id="7" name="Slide Number Placeholder 6">
             <a:extLst>
               <a:ext uri="{FF2B5EF4-FFF2-40B4-BE49-F238E27FC236}">
-                <a16:creationId xmlns:a16="http://schemas.microsoft.com/office/drawing/2014/main" id="{B8D15A48-9A8B-42ED-AC40-7A2D0588F8FD}"/>
+                <a16:creationId xmlns:a16="http://schemas.microsoft.com/office/drawing/2014/main" xmlns="" id="{B8D15A48-9A8B-42ED-AC40-7A2D0588F8FD}"/>
               </a:ext>
             </a:extLst>
           </p:cNvPr>
@@ -2774,7 +2775,7 @@
           <p:cNvPr id="2" name="Title Placeholder 1">
             <a:extLst>
               <a:ext uri="{FF2B5EF4-FFF2-40B4-BE49-F238E27FC236}">
-                <a16:creationId xmlns:a16="http://schemas.microsoft.com/office/drawing/2014/main" id="{47767B6B-7F16-4F3E-82B3-8B3E2F9847DA}"/>
+                <a16:creationId xmlns:a16="http://schemas.microsoft.com/office/drawing/2014/main" xmlns="" id="{47767B6B-7F16-4F3E-82B3-8B3E2F9847DA}"/>
               </a:ext>
             </a:extLst>
           </p:cNvPr>
@@ -2812,7 +2813,7 @@
           <p:cNvPr id="3" name="Text Placeholder 2">
             <a:extLst>
               <a:ext uri="{FF2B5EF4-FFF2-40B4-BE49-F238E27FC236}">
-                <a16:creationId xmlns:a16="http://schemas.microsoft.com/office/drawing/2014/main" id="{A9DD572B-0FB2-4860-B6C6-DA01FAB08429}"/>
+                <a16:creationId xmlns:a16="http://schemas.microsoft.com/office/drawing/2014/main" xmlns="" id="{A9DD572B-0FB2-4860-B6C6-DA01FAB08429}"/>
               </a:ext>
             </a:extLst>
           </p:cNvPr>
@@ -2879,7 +2880,7 @@
           <p:cNvPr id="4" name="Date Placeholder 3">
             <a:extLst>
               <a:ext uri="{FF2B5EF4-FFF2-40B4-BE49-F238E27FC236}">
-                <a16:creationId xmlns:a16="http://schemas.microsoft.com/office/drawing/2014/main" id="{6B86305B-FEF7-498B-A2A9-8A2B63328E32}"/>
+                <a16:creationId xmlns:a16="http://schemas.microsoft.com/office/drawing/2014/main" xmlns="" id="{6B86305B-FEF7-498B-A2A9-8A2B63328E32}"/>
               </a:ext>
             </a:extLst>
           </p:cNvPr>
@@ -2915,7 +2916,7 @@
           <a:p>
             <a:fld id="{EEEB806E-B988-4CF0-81C9-2B8FEB6ED7D5}" type="datetimeFigureOut">
               <a:rPr lang="en-US" smtClean="0"/>
-              <a:t>15-Apr-18</a:t>
+              <a:t>4/15/18</a:t>
             </a:fld>
             <a:endParaRPr lang="en-US"/>
           </a:p>
@@ -2926,7 +2927,7 @@
           <p:cNvPr id="5" name="Footer Placeholder 4">
             <a:extLst>
               <a:ext uri="{FF2B5EF4-FFF2-40B4-BE49-F238E27FC236}">
-                <a16:creationId xmlns:a16="http://schemas.microsoft.com/office/drawing/2014/main" id="{06D346A4-75FB-41A7-95F8-3D0C272C0035}"/>
+                <a16:creationId xmlns:a16="http://schemas.microsoft.com/office/drawing/2014/main" xmlns="" id="{06D346A4-75FB-41A7-95F8-3D0C272C0035}"/>
               </a:ext>
             </a:extLst>
           </p:cNvPr>
@@ -2969,7 +2970,7 @@
           <p:cNvPr id="6" name="Slide Number Placeholder 5">
             <a:extLst>
               <a:ext uri="{FF2B5EF4-FFF2-40B4-BE49-F238E27FC236}">
-                <a16:creationId xmlns:a16="http://schemas.microsoft.com/office/drawing/2014/main" id="{E705D730-95B7-417B-AF44-12464B681084}"/>
+                <a16:creationId xmlns:a16="http://schemas.microsoft.com/office/drawing/2014/main" xmlns="" id="{E705D730-95B7-417B-AF44-12464B681084}"/>
               </a:ext>
             </a:extLst>
           </p:cNvPr>
@@ -3337,7 +3338,7 @@
           <p:cNvPr id="26" name="Picture 25">
             <a:extLst>
               <a:ext uri="{FF2B5EF4-FFF2-40B4-BE49-F238E27FC236}">
-                <a16:creationId xmlns:a16="http://schemas.microsoft.com/office/drawing/2014/main" id="{DAF586BD-5827-4777-89B6-885B9C38628B}"/>
+                <a16:creationId xmlns:a16="http://schemas.microsoft.com/office/drawing/2014/main" xmlns="" id="{DAF586BD-5827-4777-89B6-885B9C38628B}"/>
               </a:ext>
             </a:extLst>
           </p:cNvPr>
@@ -3372,7 +3373,7 @@
           <p:cNvPr id="7" name="Rectangle 6">
             <a:extLst>
               <a:ext uri="{FF2B5EF4-FFF2-40B4-BE49-F238E27FC236}">
-                <a16:creationId xmlns:a16="http://schemas.microsoft.com/office/drawing/2014/main" id="{6894CD8F-6B38-4634-8363-FDBE4AF5DE2F}"/>
+                <a16:creationId xmlns:a16="http://schemas.microsoft.com/office/drawing/2014/main" xmlns="" id="{6894CD8F-6B38-4634-8363-FDBE4AF5DE2F}"/>
               </a:ext>
             </a:extLst>
           </p:cNvPr>
@@ -3434,7 +3435,7 @@
           <p:cNvPr id="12" name="Oval 11">
             <a:extLst>
               <a:ext uri="{FF2B5EF4-FFF2-40B4-BE49-F238E27FC236}">
-                <a16:creationId xmlns:a16="http://schemas.microsoft.com/office/drawing/2014/main" id="{BA6E475B-3C32-4B67-977C-C0DC5A5471AA}"/>
+                <a16:creationId xmlns:a16="http://schemas.microsoft.com/office/drawing/2014/main" xmlns="" id="{BA6E475B-3C32-4B67-977C-C0DC5A5471AA}"/>
               </a:ext>
             </a:extLst>
           </p:cNvPr>
@@ -3489,7 +3490,7 @@
           <p:cNvPr id="17" name="Straight Arrow Connector 16">
             <a:extLst>
               <a:ext uri="{FF2B5EF4-FFF2-40B4-BE49-F238E27FC236}">
-                <a16:creationId xmlns:a16="http://schemas.microsoft.com/office/drawing/2014/main" id="{A8E7B05F-591B-440E-B151-76B1E30772E6}"/>
+                <a16:creationId xmlns:a16="http://schemas.microsoft.com/office/drawing/2014/main" xmlns="" id="{A8E7B05F-591B-440E-B151-76B1E30772E6}"/>
               </a:ext>
             </a:extLst>
           </p:cNvPr>
@@ -3536,7 +3537,7 @@
           <p:cNvPr id="19" name="Straight Arrow Connector 18">
             <a:extLst>
               <a:ext uri="{FF2B5EF4-FFF2-40B4-BE49-F238E27FC236}">
-                <a16:creationId xmlns:a16="http://schemas.microsoft.com/office/drawing/2014/main" id="{BA710D58-B916-4796-A884-4743DAA967AB}"/>
+                <a16:creationId xmlns:a16="http://schemas.microsoft.com/office/drawing/2014/main" xmlns="" id="{BA710D58-B916-4796-A884-4743DAA967AB}"/>
               </a:ext>
             </a:extLst>
           </p:cNvPr>
@@ -3583,7 +3584,7 @@
           <p:cNvPr id="24" name="Rectangle 23">
             <a:extLst>
               <a:ext uri="{FF2B5EF4-FFF2-40B4-BE49-F238E27FC236}">
-                <a16:creationId xmlns:a16="http://schemas.microsoft.com/office/drawing/2014/main" id="{2E13BFA4-AAD9-4CC2-A77D-37FC095CB98F}"/>
+                <a16:creationId xmlns:a16="http://schemas.microsoft.com/office/drawing/2014/main" xmlns="" id="{2E13BFA4-AAD9-4CC2-A77D-37FC095CB98F}"/>
               </a:ext>
             </a:extLst>
           </p:cNvPr>
@@ -3675,7 +3676,7 @@
           <p:cNvPr id="10" name="Picture 9">
             <a:extLst>
               <a:ext uri="{FF2B5EF4-FFF2-40B4-BE49-F238E27FC236}">
-                <a16:creationId xmlns:a16="http://schemas.microsoft.com/office/drawing/2014/main" id="{CBC104BA-0AC7-4BDF-A395-4375D6D25D5C}"/>
+                <a16:creationId xmlns:a16="http://schemas.microsoft.com/office/drawing/2014/main" xmlns="" id="{CBC104BA-0AC7-4BDF-A395-4375D6D25D5C}"/>
               </a:ext>
             </a:extLst>
           </p:cNvPr>
@@ -3710,7 +3711,7 @@
           <p:cNvPr id="6" name="Rectangle 5">
             <a:extLst>
               <a:ext uri="{FF2B5EF4-FFF2-40B4-BE49-F238E27FC236}">
-                <a16:creationId xmlns:a16="http://schemas.microsoft.com/office/drawing/2014/main" id="{60A33248-13DF-4BC8-8D17-1681BF4005B8}"/>
+                <a16:creationId xmlns:a16="http://schemas.microsoft.com/office/drawing/2014/main" xmlns="" id="{60A33248-13DF-4BC8-8D17-1681BF4005B8}"/>
               </a:ext>
             </a:extLst>
           </p:cNvPr>
@@ -3772,7 +3773,7 @@
           <p:cNvPr id="7" name="Straight Arrow Connector 6">
             <a:extLst>
               <a:ext uri="{FF2B5EF4-FFF2-40B4-BE49-F238E27FC236}">
-                <a16:creationId xmlns:a16="http://schemas.microsoft.com/office/drawing/2014/main" id="{ADEED2D7-830C-4B8A-941A-C37B825BB2AB}"/>
+                <a16:creationId xmlns:a16="http://schemas.microsoft.com/office/drawing/2014/main" xmlns="" id="{ADEED2D7-830C-4B8A-941A-C37B825BB2AB}"/>
               </a:ext>
             </a:extLst>
           </p:cNvPr>
@@ -3820,7 +3821,7 @@
           <p:cNvPr id="8" name="Rectangle 7">
             <a:extLst>
               <a:ext uri="{FF2B5EF4-FFF2-40B4-BE49-F238E27FC236}">
-                <a16:creationId xmlns:a16="http://schemas.microsoft.com/office/drawing/2014/main" id="{4E5FA473-410C-48C5-8A01-B4E3B4DCC54A}"/>
+                <a16:creationId xmlns:a16="http://schemas.microsoft.com/office/drawing/2014/main" xmlns="" id="{4E5FA473-410C-48C5-8A01-B4E3B4DCC54A}"/>
               </a:ext>
             </a:extLst>
           </p:cNvPr>
@@ -3882,7 +3883,7 @@
           <p:cNvPr id="11" name="Straight Arrow Connector 10">
             <a:extLst>
               <a:ext uri="{FF2B5EF4-FFF2-40B4-BE49-F238E27FC236}">
-                <a16:creationId xmlns:a16="http://schemas.microsoft.com/office/drawing/2014/main" id="{69E1AE0F-682E-491F-871E-676AE52A8D11}"/>
+                <a16:creationId xmlns:a16="http://schemas.microsoft.com/office/drawing/2014/main" xmlns="" id="{69E1AE0F-682E-491F-871E-676AE52A8D11}"/>
               </a:ext>
             </a:extLst>
           </p:cNvPr>
@@ -3930,7 +3931,7 @@
           <p:cNvPr id="13" name="Straight Arrow Connector 12">
             <a:extLst>
               <a:ext uri="{FF2B5EF4-FFF2-40B4-BE49-F238E27FC236}">
-                <a16:creationId xmlns:a16="http://schemas.microsoft.com/office/drawing/2014/main" id="{7D9D4CA0-6DD5-4C11-B059-20DF3384A569}"/>
+                <a16:creationId xmlns:a16="http://schemas.microsoft.com/office/drawing/2014/main" xmlns="" id="{7D9D4CA0-6DD5-4C11-B059-20DF3384A569}"/>
               </a:ext>
             </a:extLst>
           </p:cNvPr>
@@ -3977,7 +3978,7 @@
           <p:cNvPr id="16" name="Straight Arrow Connector 15">
             <a:extLst>
               <a:ext uri="{FF2B5EF4-FFF2-40B4-BE49-F238E27FC236}">
-                <a16:creationId xmlns:a16="http://schemas.microsoft.com/office/drawing/2014/main" id="{7DAC76DA-15D9-41BE-A795-42F3D73644BB}"/>
+                <a16:creationId xmlns:a16="http://schemas.microsoft.com/office/drawing/2014/main" xmlns="" id="{7DAC76DA-15D9-41BE-A795-42F3D73644BB}"/>
               </a:ext>
             </a:extLst>
           </p:cNvPr>
@@ -4054,7 +4055,7 @@
           <p:cNvPr id="5" name="Picture 4">
             <a:extLst>
               <a:ext uri="{FF2B5EF4-FFF2-40B4-BE49-F238E27FC236}">
-                <a16:creationId xmlns:a16="http://schemas.microsoft.com/office/drawing/2014/main" id="{2BA89254-6229-4F03-9EB6-979666F5AF9B}"/>
+                <a16:creationId xmlns:a16="http://schemas.microsoft.com/office/drawing/2014/main" xmlns="" id="{2BA89254-6229-4F03-9EB6-979666F5AF9B}"/>
               </a:ext>
             </a:extLst>
           </p:cNvPr>
@@ -4089,7 +4090,7 @@
           <p:cNvPr id="3" name="Picture 2">
             <a:extLst>
               <a:ext uri="{FF2B5EF4-FFF2-40B4-BE49-F238E27FC236}">
-                <a16:creationId xmlns:a16="http://schemas.microsoft.com/office/drawing/2014/main" id="{FA3905E7-3329-46C0-AAB5-A2411DA9841E}"/>
+                <a16:creationId xmlns:a16="http://schemas.microsoft.com/office/drawing/2014/main" xmlns="" id="{FA3905E7-3329-46C0-AAB5-A2411DA9841E}"/>
               </a:ext>
             </a:extLst>
           </p:cNvPr>
@@ -4124,7 +4125,7 @@
           <p:cNvPr id="7" name="Rectangle 6">
             <a:extLst>
               <a:ext uri="{FF2B5EF4-FFF2-40B4-BE49-F238E27FC236}">
-                <a16:creationId xmlns:a16="http://schemas.microsoft.com/office/drawing/2014/main" id="{6894CD8F-6B38-4634-8363-FDBE4AF5DE2F}"/>
+                <a16:creationId xmlns:a16="http://schemas.microsoft.com/office/drawing/2014/main" xmlns="" id="{6894CD8F-6B38-4634-8363-FDBE4AF5DE2F}"/>
               </a:ext>
             </a:extLst>
           </p:cNvPr>
@@ -4186,7 +4187,7 @@
           <p:cNvPr id="12" name="Oval 11">
             <a:extLst>
               <a:ext uri="{FF2B5EF4-FFF2-40B4-BE49-F238E27FC236}">
-                <a16:creationId xmlns:a16="http://schemas.microsoft.com/office/drawing/2014/main" id="{BA6E475B-3C32-4B67-977C-C0DC5A5471AA}"/>
+                <a16:creationId xmlns:a16="http://schemas.microsoft.com/office/drawing/2014/main" xmlns="" id="{BA6E475B-3C32-4B67-977C-C0DC5A5471AA}"/>
               </a:ext>
             </a:extLst>
           </p:cNvPr>
@@ -4241,7 +4242,7 @@
           <p:cNvPr id="17" name="Straight Arrow Connector 16">
             <a:extLst>
               <a:ext uri="{FF2B5EF4-FFF2-40B4-BE49-F238E27FC236}">
-                <a16:creationId xmlns:a16="http://schemas.microsoft.com/office/drawing/2014/main" id="{A8E7B05F-591B-440E-B151-76B1E30772E6}"/>
+                <a16:creationId xmlns:a16="http://schemas.microsoft.com/office/drawing/2014/main" xmlns="" id="{A8E7B05F-591B-440E-B151-76B1E30772E6}"/>
               </a:ext>
             </a:extLst>
           </p:cNvPr>
@@ -4288,7 +4289,7 @@
           <p:cNvPr id="19" name="Straight Arrow Connector 18">
             <a:extLst>
               <a:ext uri="{FF2B5EF4-FFF2-40B4-BE49-F238E27FC236}">
-                <a16:creationId xmlns:a16="http://schemas.microsoft.com/office/drawing/2014/main" id="{BA710D58-B916-4796-A884-4743DAA967AB}"/>
+                <a16:creationId xmlns:a16="http://schemas.microsoft.com/office/drawing/2014/main" xmlns="" id="{BA710D58-B916-4796-A884-4743DAA967AB}"/>
               </a:ext>
             </a:extLst>
           </p:cNvPr>
@@ -4335,7 +4336,7 @@
           <p:cNvPr id="24" name="Rectangle 23">
             <a:extLst>
               <a:ext uri="{FF2B5EF4-FFF2-40B4-BE49-F238E27FC236}">
-                <a16:creationId xmlns:a16="http://schemas.microsoft.com/office/drawing/2014/main" id="{2E13BFA4-AAD9-4CC2-A77D-37FC095CB98F}"/>
+                <a16:creationId xmlns:a16="http://schemas.microsoft.com/office/drawing/2014/main" xmlns="" id="{2E13BFA4-AAD9-4CC2-A77D-37FC095CB98F}"/>
               </a:ext>
             </a:extLst>
           </p:cNvPr>
@@ -4427,7 +4428,7 @@
           <p:cNvPr id="3" name="Picture 2">
             <a:extLst>
               <a:ext uri="{FF2B5EF4-FFF2-40B4-BE49-F238E27FC236}">
-                <a16:creationId xmlns:a16="http://schemas.microsoft.com/office/drawing/2014/main" id="{5D6D77F4-7C07-464E-A8A3-58ED41B00F86}"/>
+                <a16:creationId xmlns:a16="http://schemas.microsoft.com/office/drawing/2014/main" xmlns="" id="{5D6D77F4-7C07-464E-A8A3-58ED41B00F86}"/>
               </a:ext>
             </a:extLst>
           </p:cNvPr>
@@ -4462,7 +4463,7 @@
           <p:cNvPr id="4" name="Picture 3">
             <a:extLst>
               <a:ext uri="{FF2B5EF4-FFF2-40B4-BE49-F238E27FC236}">
-                <a16:creationId xmlns:a16="http://schemas.microsoft.com/office/drawing/2014/main" id="{ACD67316-B5CF-4CF8-95B1-9648261437B6}"/>
+                <a16:creationId xmlns:a16="http://schemas.microsoft.com/office/drawing/2014/main" xmlns="" id="{ACD67316-B5CF-4CF8-95B1-9648261437B6}"/>
               </a:ext>
             </a:extLst>
           </p:cNvPr>
@@ -4497,7 +4498,7 @@
           <p:cNvPr id="6" name="Rectangle 5">
             <a:extLst>
               <a:ext uri="{FF2B5EF4-FFF2-40B4-BE49-F238E27FC236}">
-                <a16:creationId xmlns:a16="http://schemas.microsoft.com/office/drawing/2014/main" id="{60A33248-13DF-4BC8-8D17-1681BF4005B8}"/>
+                <a16:creationId xmlns:a16="http://schemas.microsoft.com/office/drawing/2014/main" xmlns="" id="{60A33248-13DF-4BC8-8D17-1681BF4005B8}"/>
               </a:ext>
             </a:extLst>
           </p:cNvPr>
@@ -4559,7 +4560,7 @@
           <p:cNvPr id="7" name="Straight Arrow Connector 6">
             <a:extLst>
               <a:ext uri="{FF2B5EF4-FFF2-40B4-BE49-F238E27FC236}">
-                <a16:creationId xmlns:a16="http://schemas.microsoft.com/office/drawing/2014/main" id="{ADEED2D7-830C-4B8A-941A-C37B825BB2AB}"/>
+                <a16:creationId xmlns:a16="http://schemas.microsoft.com/office/drawing/2014/main" xmlns="" id="{ADEED2D7-830C-4B8A-941A-C37B825BB2AB}"/>
               </a:ext>
             </a:extLst>
           </p:cNvPr>
@@ -4607,7 +4608,7 @@
           <p:cNvPr id="8" name="Rectangle 7">
             <a:extLst>
               <a:ext uri="{FF2B5EF4-FFF2-40B4-BE49-F238E27FC236}">
-                <a16:creationId xmlns:a16="http://schemas.microsoft.com/office/drawing/2014/main" id="{4E5FA473-410C-48C5-8A01-B4E3B4DCC54A}"/>
+                <a16:creationId xmlns:a16="http://schemas.microsoft.com/office/drawing/2014/main" xmlns="" id="{4E5FA473-410C-48C5-8A01-B4E3B4DCC54A}"/>
               </a:ext>
             </a:extLst>
           </p:cNvPr>
@@ -4669,7 +4670,7 @@
           <p:cNvPr id="11" name="Straight Arrow Connector 10">
             <a:extLst>
               <a:ext uri="{FF2B5EF4-FFF2-40B4-BE49-F238E27FC236}">
-                <a16:creationId xmlns:a16="http://schemas.microsoft.com/office/drawing/2014/main" id="{69E1AE0F-682E-491F-871E-676AE52A8D11}"/>
+                <a16:creationId xmlns:a16="http://schemas.microsoft.com/office/drawing/2014/main" xmlns="" id="{69E1AE0F-682E-491F-871E-676AE52A8D11}"/>
               </a:ext>
             </a:extLst>
           </p:cNvPr>
@@ -4717,7 +4718,7 @@
           <p:cNvPr id="13" name="Straight Arrow Connector 12">
             <a:extLst>
               <a:ext uri="{FF2B5EF4-FFF2-40B4-BE49-F238E27FC236}">
-                <a16:creationId xmlns:a16="http://schemas.microsoft.com/office/drawing/2014/main" id="{7D9D4CA0-6DD5-4C11-B059-20DF3384A569}"/>
+                <a16:creationId xmlns:a16="http://schemas.microsoft.com/office/drawing/2014/main" xmlns="" id="{7D9D4CA0-6DD5-4C11-B059-20DF3384A569}"/>
               </a:ext>
             </a:extLst>
           </p:cNvPr>
@@ -4764,7 +4765,7 @@
           <p:cNvPr id="16" name="Straight Arrow Connector 15">
             <a:extLst>
               <a:ext uri="{FF2B5EF4-FFF2-40B4-BE49-F238E27FC236}">
-                <a16:creationId xmlns:a16="http://schemas.microsoft.com/office/drawing/2014/main" id="{7DAC76DA-15D9-41BE-A795-42F3D73644BB}"/>
+                <a16:creationId xmlns:a16="http://schemas.microsoft.com/office/drawing/2014/main" xmlns="" id="{7DAC76DA-15D9-41BE-A795-42F3D73644BB}"/>
               </a:ext>
             </a:extLst>
           </p:cNvPr>
@@ -4841,7 +4842,7 @@
           <p:cNvPr id="4" name="Picture 3">
             <a:extLst>
               <a:ext uri="{FF2B5EF4-FFF2-40B4-BE49-F238E27FC236}">
-                <a16:creationId xmlns:a16="http://schemas.microsoft.com/office/drawing/2014/main" id="{B2EB5280-D3A3-47F8-87B8-213FAC36D5BF}"/>
+                <a16:creationId xmlns:a16="http://schemas.microsoft.com/office/drawing/2014/main" xmlns="" id="{B2EB5280-D3A3-47F8-87B8-213FAC36D5BF}"/>
               </a:ext>
             </a:extLst>
           </p:cNvPr>
@@ -4901,7 +4902,7 @@
           <p:cNvPr id="7" name="Picture 6">
             <a:extLst>
               <a:ext uri="{FF2B5EF4-FFF2-40B4-BE49-F238E27FC236}">
-                <a16:creationId xmlns:a16="http://schemas.microsoft.com/office/drawing/2014/main" id="{59D1F76F-6155-464C-94CB-B08795695D79}"/>
+                <a16:creationId xmlns:a16="http://schemas.microsoft.com/office/drawing/2014/main" xmlns="" id="{59D1F76F-6155-464C-94CB-B08795695D79}"/>
               </a:ext>
             </a:extLst>
           </p:cNvPr>
@@ -4936,7 +4937,7 @@
           <p:cNvPr id="8" name="Rectangle 7">
             <a:extLst>
               <a:ext uri="{FF2B5EF4-FFF2-40B4-BE49-F238E27FC236}">
-                <a16:creationId xmlns:a16="http://schemas.microsoft.com/office/drawing/2014/main" id="{6418CD7E-A386-4209-B593-F797588A9B4A}"/>
+                <a16:creationId xmlns:a16="http://schemas.microsoft.com/office/drawing/2014/main" xmlns="" id="{6418CD7E-A386-4209-B593-F797588A9B4A}"/>
               </a:ext>
             </a:extLst>
           </p:cNvPr>
@@ -4998,7 +4999,7 @@
           <p:cNvPr id="10" name="Straight Arrow Connector 9">
             <a:extLst>
               <a:ext uri="{FF2B5EF4-FFF2-40B4-BE49-F238E27FC236}">
-                <a16:creationId xmlns:a16="http://schemas.microsoft.com/office/drawing/2014/main" id="{70CDD5C8-89CD-4083-8BBA-584294DDCE46}"/>
+                <a16:creationId xmlns:a16="http://schemas.microsoft.com/office/drawing/2014/main" xmlns="" id="{70CDD5C8-89CD-4083-8BBA-584294DDCE46}"/>
               </a:ext>
             </a:extLst>
           </p:cNvPr>
@@ -5045,7 +5046,7 @@
           <p:cNvPr id="18" name="Oval 17">
             <a:extLst>
               <a:ext uri="{FF2B5EF4-FFF2-40B4-BE49-F238E27FC236}">
-                <a16:creationId xmlns:a16="http://schemas.microsoft.com/office/drawing/2014/main" id="{3723B2E9-6E0D-4B14-873C-6E902AFE9EC7}"/>
+                <a16:creationId xmlns:a16="http://schemas.microsoft.com/office/drawing/2014/main" xmlns="" id="{3723B2E9-6E0D-4B14-873C-6E902AFE9EC7}"/>
               </a:ext>
             </a:extLst>
           </p:cNvPr>
@@ -5130,7 +5131,7 @@
           <p:cNvPr id="2" name="Picture 1">
             <a:extLst>
               <a:ext uri="{FF2B5EF4-FFF2-40B4-BE49-F238E27FC236}">
-                <a16:creationId xmlns:a16="http://schemas.microsoft.com/office/drawing/2014/main" id="{9BF3998F-7C76-42B4-ABAE-8A689094C353}"/>
+                <a16:creationId xmlns:a16="http://schemas.microsoft.com/office/drawing/2014/main" xmlns="" id="{9BF3998F-7C76-42B4-ABAE-8A689094C353}"/>
               </a:ext>
             </a:extLst>
           </p:cNvPr>
@@ -5159,7 +5160,7 @@
           <p:cNvPr id="8" name="Rectangle 7">
             <a:extLst>
               <a:ext uri="{FF2B5EF4-FFF2-40B4-BE49-F238E27FC236}">
-                <a16:creationId xmlns:a16="http://schemas.microsoft.com/office/drawing/2014/main" id="{6418CD7E-A386-4209-B593-F797588A9B4A}"/>
+                <a16:creationId xmlns:a16="http://schemas.microsoft.com/office/drawing/2014/main" xmlns="" id="{6418CD7E-A386-4209-B593-F797588A9B4A}"/>
               </a:ext>
             </a:extLst>
           </p:cNvPr>
@@ -5221,7 +5222,7 @@
           <p:cNvPr id="13" name="Rectangle 12">
             <a:extLst>
               <a:ext uri="{FF2B5EF4-FFF2-40B4-BE49-F238E27FC236}">
-                <a16:creationId xmlns:a16="http://schemas.microsoft.com/office/drawing/2014/main" id="{F40B7261-6D59-4C9F-9431-B0CCB903A8BF}"/>
+                <a16:creationId xmlns:a16="http://schemas.microsoft.com/office/drawing/2014/main" xmlns="" id="{F40B7261-6D59-4C9F-9431-B0CCB903A8BF}"/>
               </a:ext>
             </a:extLst>
           </p:cNvPr>
@@ -5283,7 +5284,7 @@
           <p:cNvPr id="11" name="Right Brace 10">
             <a:extLst>
               <a:ext uri="{FF2B5EF4-FFF2-40B4-BE49-F238E27FC236}">
-                <a16:creationId xmlns:a16="http://schemas.microsoft.com/office/drawing/2014/main" id="{789F1D43-546B-43E7-9ECF-80CC7A87FD3F}"/>
+                <a16:creationId xmlns:a16="http://schemas.microsoft.com/office/drawing/2014/main" xmlns="" id="{789F1D43-546B-43E7-9ECF-80CC7A87FD3F}"/>
               </a:ext>
             </a:extLst>
           </p:cNvPr>
@@ -5337,6 +5338,552 @@
     <p:extLst>
       <p:ext uri="{BB962C8B-B14F-4D97-AF65-F5344CB8AC3E}">
         <p14:creationId xmlns:p14="http://schemas.microsoft.com/office/powerpoint/2010/main" val="4263149047"/>
+      </p:ext>
+    </p:extLst>
+  </p:cSld>
+  <p:clrMapOvr>
+    <a:masterClrMapping/>
+  </p:clrMapOvr>
+</p:sld>
+</file>
+
+<file path=ppt/slides/slide8.xml><?xml version="1.0" encoding="utf-8"?>
+<p:sld xmlns:a="http://schemas.openxmlformats.org/drawingml/2006/main" xmlns:r="http://schemas.openxmlformats.org/officeDocument/2006/relationships" xmlns:p="http://schemas.openxmlformats.org/presentationml/2006/main">
+  <p:cSld>
+    <p:spTree>
+      <p:nvGrpSpPr>
+        <p:cNvPr id="1" name=""/>
+        <p:cNvGrpSpPr/>
+        <p:nvPr/>
+      </p:nvGrpSpPr>
+      <p:grpSpPr>
+        <a:xfrm>
+          <a:off x="0" y="0"/>
+          <a:ext cx="0" cy="0"/>
+          <a:chOff x="0" y="0"/>
+          <a:chExt cx="0" cy="0"/>
+        </a:xfrm>
+      </p:grpSpPr>
+      <p:pic>
+        <p:nvPicPr>
+          <p:cNvPr id="4" name="Picture 3"/>
+          <p:cNvPicPr>
+            <a:picLocks noChangeAspect="1"/>
+          </p:cNvPicPr>
+          <p:nvPr/>
+        </p:nvPicPr>
+        <p:blipFill>
+          <a:blip r:embed="rId2"/>
+          <a:stretch>
+            <a:fillRect/>
+          </a:stretch>
+        </p:blipFill>
+        <p:spPr>
+          <a:xfrm>
+            <a:off x="0" y="572620"/>
+            <a:ext cx="6195845" cy="5123329"/>
+          </a:xfrm>
+          <a:prstGeom prst="rect">
+            <a:avLst/>
+          </a:prstGeom>
+        </p:spPr>
+      </p:pic>
+      <p:sp>
+        <p:nvSpPr>
+          <p:cNvPr id="5" name="Rectangle 4">
+            <a:extLst>
+              <a:ext uri="{FF2B5EF4-FFF2-40B4-BE49-F238E27FC236}">
+                <a16:creationId xmlns:a16="http://schemas.microsoft.com/office/drawing/2014/main" xmlns="" id="{6418CD7E-A386-4209-B593-F797588A9B4A}"/>
+              </a:ext>
+            </a:extLst>
+          </p:cNvPr>
+          <p:cNvSpPr/>
+          <p:nvPr/>
+        </p:nvSpPr>
+        <p:spPr>
+          <a:xfrm>
+            <a:off x="195580" y="2581835"/>
+            <a:ext cx="2036632" cy="434339"/>
+          </a:xfrm>
+          <a:prstGeom prst="rect">
+            <a:avLst/>
+          </a:prstGeom>
+          <a:solidFill>
+            <a:schemeClr val="accent2">
+              <a:lumMod val="40000"/>
+              <a:lumOff val="60000"/>
+            </a:schemeClr>
+          </a:solidFill>
+          <a:ln>
+            <a:noFill/>
+          </a:ln>
+        </p:spPr>
+        <p:style>
+          <a:lnRef idx="2">
+            <a:schemeClr val="accent1">
+              <a:shade val="50000"/>
+            </a:schemeClr>
+          </a:lnRef>
+          <a:fillRef idx="1">
+            <a:schemeClr val="accent1"/>
+          </a:fillRef>
+          <a:effectRef idx="0">
+            <a:schemeClr val="accent1"/>
+          </a:effectRef>
+          <a:fontRef idx="minor">
+            <a:schemeClr val="lt1"/>
+          </a:fontRef>
+        </p:style>
+        <p:txBody>
+          <a:bodyPr rtlCol="0" anchor="ctr"/>
+          <a:lstStyle/>
+          <a:p>
+            <a:pPr algn="ctr"/>
+            <a:r>
+              <a:rPr lang="en-US" sz="1100" b="1" dirty="0">
+                <a:solidFill>
+                  <a:schemeClr val="tx1"/>
+                </a:solidFill>
+              </a:rPr>
+              <a:t>1. </a:t>
+            </a:r>
+            <a:r>
+              <a:rPr lang="en-US" sz="1100" b="1" dirty="0" smtClean="0">
+                <a:solidFill>
+                  <a:schemeClr val="tx1"/>
+                </a:solidFill>
+              </a:rPr>
+              <a:t>Use the </a:t>
+            </a:r>
+            <a:r>
+              <a:rPr lang="en-US" sz="1100" b="1" dirty="0">
+                <a:solidFill>
+                  <a:schemeClr val="tx1"/>
+                </a:solidFill>
+              </a:rPr>
+              <a:t>index to indicate </a:t>
+            </a:r>
+            <a:r>
+              <a:rPr lang="en-US" sz="1100" b="1" dirty="0" smtClean="0">
+                <a:solidFill>
+                  <a:schemeClr val="tx1"/>
+                </a:solidFill>
+              </a:rPr>
+              <a:t>the case you wish to view </a:t>
+            </a:r>
+            <a:endParaRPr lang="en-US" sz="1100" b="1" dirty="0">
+              <a:solidFill>
+                <a:schemeClr val="tx1"/>
+              </a:solidFill>
+            </a:endParaRPr>
+          </a:p>
+        </p:txBody>
+      </p:sp>
+      <p:cxnSp>
+        <p:nvCxnSpPr>
+          <p:cNvPr id="6" name="Straight Arrow Connector 5">
+            <a:extLst>
+              <a:ext uri="{FF2B5EF4-FFF2-40B4-BE49-F238E27FC236}">
+                <a16:creationId xmlns:a16="http://schemas.microsoft.com/office/drawing/2014/main" xmlns="" id="{70CDD5C8-89CD-4083-8BBA-584294DDCE46}"/>
+              </a:ext>
+            </a:extLst>
+          </p:cNvPr>
+          <p:cNvCxnSpPr>
+            <a:cxnSpLocks/>
+          </p:cNvCxnSpPr>
+          <p:nvPr/>
+        </p:nvCxnSpPr>
+        <p:spPr>
+          <a:xfrm>
+            <a:off x="297180" y="1136015"/>
+            <a:ext cx="980291" cy="1445820"/>
+          </a:xfrm>
+          <a:prstGeom prst="straightConnector1">
+            <a:avLst/>
+          </a:prstGeom>
+          <a:ln w="22225">
+            <a:solidFill>
+              <a:schemeClr val="accent2">
+                <a:lumMod val="60000"/>
+                <a:lumOff val="40000"/>
+              </a:schemeClr>
+            </a:solidFill>
+            <a:tailEnd type="triangle"/>
+          </a:ln>
+        </p:spPr>
+        <p:style>
+          <a:lnRef idx="1">
+            <a:schemeClr val="accent1"/>
+          </a:lnRef>
+          <a:fillRef idx="0">
+            <a:schemeClr val="accent1"/>
+          </a:fillRef>
+          <a:effectRef idx="0">
+            <a:schemeClr val="accent1"/>
+          </a:effectRef>
+          <a:fontRef idx="minor">
+            <a:schemeClr val="tx1"/>
+          </a:fontRef>
+        </p:style>
+      </p:cxnSp>
+      <p:sp>
+        <p:nvSpPr>
+          <p:cNvPr id="7" name="Oval 6">
+            <a:extLst>
+              <a:ext uri="{FF2B5EF4-FFF2-40B4-BE49-F238E27FC236}">
+                <a16:creationId xmlns:a16="http://schemas.microsoft.com/office/drawing/2014/main" xmlns="" id="{3723B2E9-6E0D-4B14-873C-6E902AFE9EC7}"/>
+              </a:ext>
+            </a:extLst>
+          </p:cNvPr>
+          <p:cNvSpPr/>
+          <p:nvPr/>
+        </p:nvSpPr>
+        <p:spPr>
+          <a:xfrm>
+            <a:off x="93980" y="942975"/>
+            <a:ext cx="203200" cy="193040"/>
+          </a:xfrm>
+          <a:prstGeom prst="ellipse">
+            <a:avLst/>
+          </a:prstGeom>
+          <a:noFill/>
+          <a:ln w="34925">
+            <a:solidFill>
+              <a:schemeClr val="accent2">
+                <a:lumMod val="60000"/>
+                <a:lumOff val="40000"/>
+              </a:schemeClr>
+            </a:solidFill>
+          </a:ln>
+        </p:spPr>
+        <p:style>
+          <a:lnRef idx="2">
+            <a:schemeClr val="accent1">
+              <a:shade val="50000"/>
+            </a:schemeClr>
+          </a:lnRef>
+          <a:fillRef idx="1">
+            <a:schemeClr val="accent1"/>
+          </a:fillRef>
+          <a:effectRef idx="0">
+            <a:schemeClr val="accent1"/>
+          </a:effectRef>
+          <a:fontRef idx="minor">
+            <a:schemeClr val="lt1"/>
+          </a:fontRef>
+        </p:style>
+        <p:txBody>
+          <a:bodyPr rtlCol="0" anchor="ctr"/>
+          <a:lstStyle/>
+          <a:p>
+            <a:pPr algn="ctr"/>
+            <a:endParaRPr lang="en-US"/>
+          </a:p>
+        </p:txBody>
+      </p:sp>
+      <p:cxnSp>
+        <p:nvCxnSpPr>
+          <p:cNvPr id="8" name="Straight Arrow Connector 7">
+            <a:extLst>
+              <a:ext uri="{FF2B5EF4-FFF2-40B4-BE49-F238E27FC236}">
+                <a16:creationId xmlns:a16="http://schemas.microsoft.com/office/drawing/2014/main" xmlns="" id="{BA710D58-B916-4796-A884-4743DAA967AB}"/>
+              </a:ext>
+            </a:extLst>
+          </p:cNvPr>
+          <p:cNvCxnSpPr>
+            <a:cxnSpLocks/>
+          </p:cNvCxnSpPr>
+          <p:nvPr/>
+        </p:nvCxnSpPr>
+        <p:spPr>
+          <a:xfrm flipH="1">
+            <a:off x="887506" y="3016174"/>
+            <a:ext cx="389965" cy="1340673"/>
+          </a:xfrm>
+          <a:prstGeom prst="straightConnector1">
+            <a:avLst/>
+          </a:prstGeom>
+          <a:ln w="22225">
+            <a:solidFill>
+              <a:schemeClr val="accent2">
+                <a:lumMod val="60000"/>
+                <a:lumOff val="40000"/>
+              </a:schemeClr>
+            </a:solidFill>
+            <a:tailEnd type="triangle"/>
+          </a:ln>
+        </p:spPr>
+        <p:style>
+          <a:lnRef idx="1">
+            <a:schemeClr val="accent1"/>
+          </a:lnRef>
+          <a:fillRef idx="0">
+            <a:schemeClr val="accent1"/>
+          </a:fillRef>
+          <a:effectRef idx="0">
+            <a:schemeClr val="accent1"/>
+          </a:effectRef>
+          <a:fontRef idx="minor">
+            <a:schemeClr val="tx1"/>
+          </a:fontRef>
+        </p:style>
+      </p:cxnSp>
+      <p:cxnSp>
+        <p:nvCxnSpPr>
+          <p:cNvPr id="9" name="Straight Arrow Connector 8">
+            <a:extLst>
+              <a:ext uri="{FF2B5EF4-FFF2-40B4-BE49-F238E27FC236}">
+                <a16:creationId xmlns:a16="http://schemas.microsoft.com/office/drawing/2014/main" xmlns="" id="{BA710D58-B916-4796-A884-4743DAA967AB}"/>
+              </a:ext>
+            </a:extLst>
+          </p:cNvPr>
+          <p:cNvCxnSpPr>
+            <a:cxnSpLocks/>
+          </p:cNvCxnSpPr>
+          <p:nvPr/>
+        </p:nvCxnSpPr>
+        <p:spPr>
+          <a:xfrm flipH="1" flipV="1">
+            <a:off x="787325" y="5096771"/>
+            <a:ext cx="426571" cy="212995"/>
+          </a:xfrm>
+          <a:prstGeom prst="straightConnector1">
+            <a:avLst/>
+          </a:prstGeom>
+          <a:ln w="22225">
+            <a:solidFill>
+              <a:schemeClr val="accent2">
+                <a:lumMod val="60000"/>
+                <a:lumOff val="40000"/>
+              </a:schemeClr>
+            </a:solidFill>
+            <a:tailEnd type="triangle"/>
+          </a:ln>
+        </p:spPr>
+        <p:style>
+          <a:lnRef idx="1">
+            <a:schemeClr val="accent1"/>
+          </a:lnRef>
+          <a:fillRef idx="0">
+            <a:schemeClr val="accent1"/>
+          </a:fillRef>
+          <a:effectRef idx="0">
+            <a:schemeClr val="accent1"/>
+          </a:effectRef>
+          <a:fontRef idx="minor">
+            <a:schemeClr val="tx1"/>
+          </a:fontRef>
+        </p:style>
+      </p:cxnSp>
+      <p:sp>
+        <p:nvSpPr>
+          <p:cNvPr id="10" name="Rectangle 9">
+            <a:extLst>
+              <a:ext uri="{FF2B5EF4-FFF2-40B4-BE49-F238E27FC236}">
+                <a16:creationId xmlns:a16="http://schemas.microsoft.com/office/drawing/2014/main" xmlns="" id="{6894CD8F-6B38-4634-8363-FDBE4AF5DE2F}"/>
+              </a:ext>
+            </a:extLst>
+          </p:cNvPr>
+          <p:cNvSpPr/>
+          <p:nvPr/>
+        </p:nvSpPr>
+        <p:spPr>
+          <a:xfrm>
+            <a:off x="1213896" y="5025389"/>
+            <a:ext cx="2363022" cy="568754"/>
+          </a:xfrm>
+          <a:prstGeom prst="rect">
+            <a:avLst/>
+          </a:prstGeom>
+          <a:solidFill>
+            <a:schemeClr val="accent2">
+              <a:lumMod val="40000"/>
+              <a:lumOff val="60000"/>
+            </a:schemeClr>
+          </a:solidFill>
+          <a:ln>
+            <a:noFill/>
+          </a:ln>
+        </p:spPr>
+        <p:style>
+          <a:lnRef idx="2">
+            <a:schemeClr val="accent1">
+              <a:shade val="50000"/>
+            </a:schemeClr>
+          </a:lnRef>
+          <a:fillRef idx="1">
+            <a:schemeClr val="accent1"/>
+          </a:fillRef>
+          <a:effectRef idx="0">
+            <a:schemeClr val="accent1"/>
+          </a:effectRef>
+          <a:fontRef idx="minor">
+            <a:schemeClr val="lt1"/>
+          </a:fontRef>
+        </p:style>
+        <p:txBody>
+          <a:bodyPr rtlCol="0" anchor="ctr"/>
+          <a:lstStyle/>
+          <a:p>
+            <a:pPr algn="ctr"/>
+            <a:r>
+              <a:rPr lang="en-US" sz="1100" b="1" dirty="0">
+                <a:solidFill>
+                  <a:schemeClr val="tx1"/>
+                </a:solidFill>
+              </a:rPr>
+              <a:t>2. </a:t>
+            </a:r>
+            <a:r>
+              <a:rPr lang="en-US" sz="1100" b="1" dirty="0" smtClean="0">
+                <a:solidFill>
+                  <a:schemeClr val="tx1"/>
+                </a:solidFill>
+              </a:rPr>
+              <a:t>On success, the status message shows the index of the case that has been selected</a:t>
+            </a:r>
+            <a:endParaRPr lang="en-US" sz="1100" b="1" dirty="0">
+              <a:solidFill>
+                <a:schemeClr val="tx1"/>
+              </a:solidFill>
+            </a:endParaRPr>
+          </a:p>
+        </p:txBody>
+      </p:sp>
+      <p:sp>
+        <p:nvSpPr>
+          <p:cNvPr id="11" name="Right Brace 10">
+            <a:extLst>
+              <a:ext uri="{FF2B5EF4-FFF2-40B4-BE49-F238E27FC236}">
+                <a16:creationId xmlns:a16="http://schemas.microsoft.com/office/drawing/2014/main" xmlns="" id="{789F1D43-546B-43E7-9ECF-80CC7A87FD3F}"/>
+              </a:ext>
+            </a:extLst>
+          </p:cNvPr>
+          <p:cNvSpPr/>
+          <p:nvPr/>
+        </p:nvSpPr>
+        <p:spPr>
+          <a:xfrm rot="5400000">
+            <a:off x="4356296" y="2918563"/>
+            <a:ext cx="245539" cy="3122110"/>
+          </a:xfrm>
+          <a:prstGeom prst="rightBrace">
+            <a:avLst>
+              <a:gd name="adj1" fmla="val 8333"/>
+              <a:gd name="adj2" fmla="val 44479"/>
+            </a:avLst>
+          </a:prstGeom>
+          <a:ln w="22225">
+            <a:solidFill>
+              <a:schemeClr val="accent2">
+                <a:lumMod val="60000"/>
+                <a:lumOff val="40000"/>
+              </a:schemeClr>
+            </a:solidFill>
+          </a:ln>
+        </p:spPr>
+        <p:style>
+          <a:lnRef idx="1">
+            <a:schemeClr val="accent1"/>
+          </a:lnRef>
+          <a:fillRef idx="0">
+            <a:schemeClr val="accent1"/>
+          </a:fillRef>
+          <a:effectRef idx="0">
+            <a:schemeClr val="accent1"/>
+          </a:effectRef>
+          <a:fontRef idx="minor">
+            <a:schemeClr val="tx1"/>
+          </a:fontRef>
+        </p:style>
+        <p:txBody>
+          <a:bodyPr rtlCol="0" anchor="ctr"/>
+          <a:lstStyle/>
+          <a:p>
+            <a:pPr algn="ctr"/>
+            <a:endParaRPr lang="en-US"/>
+          </a:p>
+        </p:txBody>
+      </p:sp>
+      <p:sp>
+        <p:nvSpPr>
+          <p:cNvPr id="12" name="Rectangle 11">
+            <a:extLst>
+              <a:ext uri="{FF2B5EF4-FFF2-40B4-BE49-F238E27FC236}">
+                <a16:creationId xmlns:a16="http://schemas.microsoft.com/office/drawing/2014/main" xmlns="" id="{6418CD7E-A386-4209-B593-F797588A9B4A}"/>
+              </a:ext>
+            </a:extLst>
+          </p:cNvPr>
+          <p:cNvSpPr/>
+          <p:nvPr/>
+        </p:nvSpPr>
+        <p:spPr>
+          <a:xfrm>
+            <a:off x="4003489" y="4619329"/>
+            <a:ext cx="1173629" cy="605573"/>
+          </a:xfrm>
+          <a:prstGeom prst="rect">
+            <a:avLst/>
+          </a:prstGeom>
+          <a:solidFill>
+            <a:schemeClr val="accent2">
+              <a:lumMod val="40000"/>
+              <a:lumOff val="60000"/>
+            </a:schemeClr>
+          </a:solidFill>
+          <a:ln>
+            <a:noFill/>
+          </a:ln>
+        </p:spPr>
+        <p:style>
+          <a:lnRef idx="2">
+            <a:schemeClr val="accent1">
+              <a:shade val="50000"/>
+            </a:schemeClr>
+          </a:lnRef>
+          <a:fillRef idx="1">
+            <a:schemeClr val="accent1"/>
+          </a:fillRef>
+          <a:effectRef idx="0">
+            <a:schemeClr val="accent1"/>
+          </a:effectRef>
+          <a:fontRef idx="minor">
+            <a:schemeClr val="lt1"/>
+          </a:fontRef>
+        </p:style>
+        <p:txBody>
+          <a:bodyPr rtlCol="0" anchor="ctr"/>
+          <a:lstStyle/>
+          <a:p>
+            <a:pPr algn="ctr"/>
+            <a:r>
+              <a:rPr lang="en-US" sz="1100" b="1" dirty="0">
+                <a:solidFill>
+                  <a:schemeClr val="tx1"/>
+                </a:solidFill>
+              </a:rPr>
+              <a:t>3</a:t>
+            </a:r>
+            <a:r>
+              <a:rPr lang="en-US" sz="1100" b="1" dirty="0" smtClean="0">
+                <a:solidFill>
+                  <a:schemeClr val="tx1"/>
+                </a:solidFill>
+              </a:rPr>
+              <a:t>. Panel shows details of selected case</a:t>
+            </a:r>
+            <a:endParaRPr lang="en-US" sz="1100" b="1" dirty="0">
+              <a:solidFill>
+                <a:schemeClr val="tx1"/>
+              </a:solidFill>
+            </a:endParaRPr>
+          </a:p>
+        </p:txBody>
+      </p:sp>
+    </p:spTree>
+    <p:extLst>
+      <p:ext uri="{BB962C8B-B14F-4D97-AF65-F5344CB8AC3E}">
+        <p14:creationId xmlns:p14="http://schemas.microsoft.com/office/powerpoint/2010/main" val="1674731382"/>
       </p:ext>
     </p:extLst>
   </p:cSld>
